--- a/2D게임프로그래밍.pptx
+++ b/2D게임프로그래밍.pptx
@@ -13,7 +13,7 @@
     <p:sldId id="258" r:id="rId7"/>
     <p:sldId id="262" r:id="rId8"/>
     <p:sldId id="259" r:id="rId9"/>
-    <p:sldId id="263" r:id="rId10"/>
+    <p:sldId id="266" r:id="rId10"/>
   </p:sldIdLst>
   <p:sldSz cx="12192000" cy="6858000"/>
   <p:notesSz cx="6858000" cy="9144000"/>
@@ -112,7 +112,20 @@
       </a:defRPr>
     </a:lvl9pPr>
   </p:defaultTextStyle>
+  <p:extLst>
+    <p:ext uri="{EFAFB233-063F-42B5-8137-9DF3F51BA10A}">
+      <p15:sldGuideLst xmlns:p15="http://schemas.microsoft.com/office/powerpoint/2012/main"/>
+    </p:ext>
+  </p:extLst>
 </p:presentation>
+</file>
+
+<file path=ppt/revisionInfo.xml><?xml version="1.0" encoding="utf-8"?>
+<p1510:revInfo xmlns:a="http://schemas.openxmlformats.org/drawingml/2006/main" xmlns:r="http://schemas.openxmlformats.org/officeDocument/2006/relationships" xmlns:p1510="http://schemas.microsoft.com/office/powerpoint/2015/10/main">
+  <p1510:revLst>
+    <p1510:client id="{3F81D92B-9F00-4D3E-8DB6-0884C662F162}" v="61" dt="2025-09-29T08:54:13.239"/>
+  </p1510:revLst>
+</p1510:revInfo>
 </file>
 
 <file path=ppt/slideLayouts/slideLayout1.xml><?xml version="1.0" encoding="utf-8"?>
@@ -262,7 +275,7 @@
           <a:p>
             <a:fld id="{8BB96101-F61C-4A52-A9A1-73C7A4110B06}" type="datetimeFigureOut">
               <a:rPr lang="ko-KR" altLang="en-US" smtClean="0"/>
-              <a:t>2025-09-26</a:t>
+              <a:t>2025-09-29</a:t>
             </a:fld>
             <a:endParaRPr lang="ko-KR" altLang="en-US"/>
           </a:p>
@@ -460,7 +473,7 @@
           <a:p>
             <a:fld id="{8BB96101-F61C-4A52-A9A1-73C7A4110B06}" type="datetimeFigureOut">
               <a:rPr lang="ko-KR" altLang="en-US" smtClean="0"/>
-              <a:t>2025-09-26</a:t>
+              <a:t>2025-09-29</a:t>
             </a:fld>
             <a:endParaRPr lang="ko-KR" altLang="en-US"/>
           </a:p>
@@ -668,7 +681,7 @@
           <a:p>
             <a:fld id="{8BB96101-F61C-4A52-A9A1-73C7A4110B06}" type="datetimeFigureOut">
               <a:rPr lang="ko-KR" altLang="en-US" smtClean="0"/>
-              <a:t>2025-09-26</a:t>
+              <a:t>2025-09-29</a:t>
             </a:fld>
             <a:endParaRPr lang="ko-KR" altLang="en-US"/>
           </a:p>
@@ -866,7 +879,7 @@
           <a:p>
             <a:fld id="{8BB96101-F61C-4A52-A9A1-73C7A4110B06}" type="datetimeFigureOut">
               <a:rPr lang="ko-KR" altLang="en-US" smtClean="0"/>
-              <a:t>2025-09-26</a:t>
+              <a:t>2025-09-29</a:t>
             </a:fld>
             <a:endParaRPr lang="ko-KR" altLang="en-US"/>
           </a:p>
@@ -1141,7 +1154,7 @@
           <a:p>
             <a:fld id="{8BB96101-F61C-4A52-A9A1-73C7A4110B06}" type="datetimeFigureOut">
               <a:rPr lang="ko-KR" altLang="en-US" smtClean="0"/>
-              <a:t>2025-09-26</a:t>
+              <a:t>2025-09-29</a:t>
             </a:fld>
             <a:endParaRPr lang="ko-KR" altLang="en-US"/>
           </a:p>
@@ -1406,7 +1419,7 @@
           <a:p>
             <a:fld id="{8BB96101-F61C-4A52-A9A1-73C7A4110B06}" type="datetimeFigureOut">
               <a:rPr lang="ko-KR" altLang="en-US" smtClean="0"/>
-              <a:t>2025-09-26</a:t>
+              <a:t>2025-09-29</a:t>
             </a:fld>
             <a:endParaRPr lang="ko-KR" altLang="en-US"/>
           </a:p>
@@ -1818,7 +1831,7 @@
           <a:p>
             <a:fld id="{8BB96101-F61C-4A52-A9A1-73C7A4110B06}" type="datetimeFigureOut">
               <a:rPr lang="ko-KR" altLang="en-US" smtClean="0"/>
-              <a:t>2025-09-26</a:t>
+              <a:t>2025-09-29</a:t>
             </a:fld>
             <a:endParaRPr lang="ko-KR" altLang="en-US"/>
           </a:p>
@@ -1959,7 +1972,7 @@
           <a:p>
             <a:fld id="{8BB96101-F61C-4A52-A9A1-73C7A4110B06}" type="datetimeFigureOut">
               <a:rPr lang="ko-KR" altLang="en-US" smtClean="0"/>
-              <a:t>2025-09-26</a:t>
+              <a:t>2025-09-29</a:t>
             </a:fld>
             <a:endParaRPr lang="ko-KR" altLang="en-US"/>
           </a:p>
@@ -2072,7 +2085,7 @@
           <a:p>
             <a:fld id="{8BB96101-F61C-4A52-A9A1-73C7A4110B06}" type="datetimeFigureOut">
               <a:rPr lang="ko-KR" altLang="en-US" smtClean="0"/>
-              <a:t>2025-09-26</a:t>
+              <a:t>2025-09-29</a:t>
             </a:fld>
             <a:endParaRPr lang="ko-KR" altLang="en-US"/>
           </a:p>
@@ -2383,7 +2396,7 @@
           <a:p>
             <a:fld id="{8BB96101-F61C-4A52-A9A1-73C7A4110B06}" type="datetimeFigureOut">
               <a:rPr lang="ko-KR" altLang="en-US" smtClean="0"/>
-              <a:t>2025-09-26</a:t>
+              <a:t>2025-09-29</a:t>
             </a:fld>
             <a:endParaRPr lang="ko-KR" altLang="en-US"/>
           </a:p>
@@ -2671,7 +2684,7 @@
           <a:p>
             <a:fld id="{8BB96101-F61C-4A52-A9A1-73C7A4110B06}" type="datetimeFigureOut">
               <a:rPr lang="ko-KR" altLang="en-US" smtClean="0"/>
-              <a:t>2025-09-26</a:t>
+              <a:t>2025-09-29</a:t>
             </a:fld>
             <a:endParaRPr lang="ko-KR" altLang="en-US"/>
           </a:p>
@@ -2912,7 +2925,7 @@
           <a:p>
             <a:fld id="{8BB96101-F61C-4A52-A9A1-73C7A4110B06}" type="datetimeFigureOut">
               <a:rPr lang="ko-KR" altLang="en-US" smtClean="0"/>
-              <a:t>2025-09-26</a:t>
+              <a:t>2025-09-29</a:t>
             </a:fld>
             <a:endParaRPr lang="ko-KR" altLang="en-US"/>
           </a:p>
@@ -5739,7 +5752,7 @@
           <p:cNvPr id="2" name="제목 1">
             <a:extLst>
               <a:ext uri="{FF2B5EF4-FFF2-40B4-BE49-F238E27FC236}">
-                <a16:creationId xmlns:a16="http://schemas.microsoft.com/office/drawing/2014/main" id="{4AA1DF0D-DC29-F4CB-7784-0EF553D6C817}"/>
+                <a16:creationId xmlns:a16="http://schemas.microsoft.com/office/drawing/2014/main" id="{0AEC6D41-D62B-2320-2B27-61F8C2863DE6}"/>
               </a:ext>
             </a:extLst>
           </p:cNvPr>
@@ -5757,181 +5770,1450 @@
           <a:p>
             <a:r>
               <a:rPr lang="ko-KR" altLang="en-US" dirty="0"/>
-              <a:t>보물상자</a:t>
+              <a:t>개발 일정</a:t>
             </a:r>
           </a:p>
         </p:txBody>
       </p:sp>
-      <p:pic>
-        <p:nvPicPr>
-          <p:cNvPr id="7170" name="Picture 2" descr="Steam 커뮤니티 :: 세피리아">
-            <a:extLst>
-              <a:ext uri="{FF2B5EF4-FFF2-40B4-BE49-F238E27FC236}">
-                <a16:creationId xmlns:a16="http://schemas.microsoft.com/office/drawing/2014/main" id="{866456FC-AD1D-8456-C461-F81F496B7CC6}"/>
-              </a:ext>
-            </a:extLst>
-          </p:cNvPr>
-          <p:cNvPicPr>
-            <a:picLocks noChangeAspect="1" noChangeArrowheads="1"/>
-          </p:cNvPicPr>
-          <p:nvPr/>
-        </p:nvPicPr>
-        <p:blipFill rotWithShape="1">
-          <a:blip r:embed="rId2">
-            <a:extLst>
-              <a:ext uri="{28A0092B-C50C-407E-A947-70E740481C1C}">
-                <a14:useLocalDpi xmlns:a14="http://schemas.microsoft.com/office/drawing/2010/main" val="0"/>
-              </a:ext>
-            </a:extLst>
-          </a:blip>
-          <a:srcRect t="13895" r="1809" b="14203"/>
-          <a:stretch>
-            <a:fillRect/>
-          </a:stretch>
-        </p:blipFill>
-        <p:spPr bwMode="auto">
-          <a:xfrm>
-            <a:off x="3783746" y="2159214"/>
-            <a:ext cx="7570054" cy="4157448"/>
-          </a:xfrm>
-          <a:prstGeom prst="rect">
-            <a:avLst/>
-          </a:prstGeom>
-          <a:noFill/>
-          <a:extLst>
-            <a:ext uri="{909E8E84-426E-40DD-AFC4-6F175D3DCCD1}">
-              <a14:hiddenFill xmlns:a14="http://schemas.microsoft.com/office/drawing/2010/main">
-                <a:solidFill>
-                  <a:srgbClr val="FFFFFF"/>
-                </a:solidFill>
-              </a14:hiddenFill>
-            </a:ext>
-          </a:extLst>
-        </p:spPr>
-      </p:pic>
-      <p:pic>
-        <p:nvPicPr>
-          <p:cNvPr id="7172" name="Picture 4" descr="새로 발견된 포켓몬 「모으령」을 조사 중!">
-            <a:extLst>
-              <a:ext uri="{FF2B5EF4-FFF2-40B4-BE49-F238E27FC236}">
-                <a16:creationId xmlns:a16="http://schemas.microsoft.com/office/drawing/2014/main" id="{6B920D4B-5222-00EF-31B4-E690A0541C81}"/>
-              </a:ext>
-            </a:extLst>
-          </p:cNvPr>
-          <p:cNvPicPr>
-            <a:picLocks noChangeAspect="1" noChangeArrowheads="1"/>
-          </p:cNvPicPr>
-          <p:nvPr/>
-        </p:nvPicPr>
-        <p:blipFill>
-          <a:blip r:embed="rId3">
-            <a:extLst>
-              <a:ext uri="{28A0092B-C50C-407E-A947-70E740481C1C}">
-                <a14:useLocalDpi xmlns:a14="http://schemas.microsoft.com/office/drawing/2010/main" val="0"/>
-              </a:ext>
-            </a:extLst>
-          </a:blip>
-          <a:srcRect/>
-          <a:stretch>
-            <a:fillRect/>
-          </a:stretch>
-        </p:blipFill>
-        <p:spPr bwMode="auto">
-          <a:xfrm>
-            <a:off x="9781504" y="4171843"/>
-            <a:ext cx="843566" cy="755432"/>
-          </a:xfrm>
-          <a:prstGeom prst="rect">
-            <a:avLst/>
-          </a:prstGeom>
-          <a:noFill/>
-          <a:extLst>
-            <a:ext uri="{909E8E84-426E-40DD-AFC4-6F175D3DCCD1}">
-              <a14:hiddenFill xmlns:a14="http://schemas.microsoft.com/office/drawing/2010/main">
-                <a:solidFill>
-                  <a:srgbClr val="FFFFFF"/>
-                </a:solidFill>
-              </a14:hiddenFill>
-            </a:ext>
-          </a:extLst>
-        </p:spPr>
-      </p:pic>
+      <p:graphicFrame>
+        <p:nvGraphicFramePr>
+          <p:cNvPr id="5" name="표 4">
+            <a:extLst>
+              <a:ext uri="{FF2B5EF4-FFF2-40B4-BE49-F238E27FC236}">
+                <a16:creationId xmlns:a16="http://schemas.microsoft.com/office/drawing/2014/main" id="{A7BCE5A2-E329-CBCF-6D3B-711A97053771}"/>
+              </a:ext>
+            </a:extLst>
+          </p:cNvPr>
+          <p:cNvGraphicFramePr>
+            <a:graphicFrameLocks noGrp="1"/>
+          </p:cNvGraphicFramePr>
+          <p:nvPr>
+            <p:extLst>
+              <p:ext uri="{D42A27DB-BD31-4B8C-83A1-F6EECF244321}">
+                <p14:modId xmlns:p14="http://schemas.microsoft.com/office/powerpoint/2010/main" val="3361094808"/>
+              </p:ext>
+            </p:extLst>
+          </p:nvPr>
+        </p:nvGraphicFramePr>
+        <p:xfrm>
+          <a:off x="2031999" y="2092817"/>
+          <a:ext cx="8128000" cy="3361770"/>
+        </p:xfrm>
+        <a:graphic>
+          <a:graphicData uri="http://schemas.openxmlformats.org/drawingml/2006/table">
+            <a:tbl>
+              <a:tblPr firstRow="1" bandRow="1">
+                <a:tableStyleId>{5C22544A-7EE6-4342-B048-85BDC9FD1C3A}</a:tableStyleId>
+              </a:tblPr>
+              <a:tblGrid>
+                <a:gridCol w="1625601">
+                  <a:extLst>
+                    <a:ext uri="{9D8B030D-6E8A-4147-A177-3AD203B41FA5}">
+                      <a16:colId xmlns:a16="http://schemas.microsoft.com/office/drawing/2014/main" val="3594922615"/>
+                    </a:ext>
+                  </a:extLst>
+                </a:gridCol>
+                <a:gridCol w="6502399">
+                  <a:extLst>
+                    <a:ext uri="{9D8B030D-6E8A-4147-A177-3AD203B41FA5}">
+                      <a16:colId xmlns:a16="http://schemas.microsoft.com/office/drawing/2014/main" val="2842156805"/>
+                    </a:ext>
+                  </a:extLst>
+                </a:gridCol>
+              </a:tblGrid>
+              <a:tr h="373530">
+                <a:tc>
+                  <a:txBody>
+                    <a:bodyPr/>
+                    <a:lstStyle/>
+                    <a:p>
+                      <a:pPr latinLnBrk="1"/>
+                      <a:r>
+                        <a:rPr lang="en-US" altLang="ko-KR" b="0" dirty="0">
+                          <a:solidFill>
+                            <a:schemeClr val="tx1"/>
+                          </a:solidFill>
+                        </a:rPr>
+                        <a:t>1</a:t>
+                      </a:r>
+                      <a:r>
+                        <a:rPr lang="ko-KR" altLang="en-US" b="0" dirty="0">
+                          <a:solidFill>
+                            <a:schemeClr val="tx1"/>
+                          </a:solidFill>
+                        </a:rPr>
+                        <a:t>주차</a:t>
+                      </a:r>
+                    </a:p>
+                  </a:txBody>
+                  <a:tcPr>
+                    <a:lnL w="12700" cap="flat" cmpd="sng" algn="ctr">
+                      <a:solidFill>
+                        <a:schemeClr val="tx1"/>
+                      </a:solidFill>
+                      <a:prstDash val="solid"/>
+                      <a:round/>
+                      <a:headEnd type="none" w="med" len="med"/>
+                      <a:tailEnd type="none" w="med" len="med"/>
+                    </a:lnL>
+                    <a:lnR w="12700" cap="flat" cmpd="sng" algn="ctr">
+                      <a:solidFill>
+                        <a:schemeClr val="tx1"/>
+                      </a:solidFill>
+                      <a:prstDash val="solid"/>
+                      <a:round/>
+                      <a:headEnd type="none" w="med" len="med"/>
+                      <a:tailEnd type="none" w="med" len="med"/>
+                    </a:lnR>
+                    <a:lnT w="12700" cap="flat" cmpd="sng" algn="ctr">
+                      <a:solidFill>
+                        <a:schemeClr val="tx1"/>
+                      </a:solidFill>
+                      <a:prstDash val="solid"/>
+                      <a:round/>
+                      <a:headEnd type="none" w="med" len="med"/>
+                      <a:tailEnd type="none" w="med" len="med"/>
+                    </a:lnT>
+                    <a:lnB w="12700" cap="flat" cmpd="sng" algn="ctr">
+                      <a:solidFill>
+                        <a:schemeClr val="tx1"/>
+                      </a:solidFill>
+                      <a:prstDash val="solid"/>
+                      <a:round/>
+                      <a:headEnd type="none" w="med" len="med"/>
+                      <a:tailEnd type="none" w="med" len="med"/>
+                    </a:lnB>
+                    <a:lnTlToBr w="12700" cmpd="sng">
+                      <a:noFill/>
+                      <a:prstDash val="solid"/>
+                    </a:lnTlToBr>
+                    <a:lnBlToTr w="12700" cmpd="sng">
+                      <a:noFill/>
+                      <a:prstDash val="solid"/>
+                    </a:lnBlToTr>
+                    <a:solidFill>
+                      <a:schemeClr val="bg1"/>
+                    </a:solidFill>
+                  </a:tcPr>
+                </a:tc>
+                <a:tc>
+                  <a:txBody>
+                    <a:bodyPr/>
+                    <a:lstStyle/>
+                    <a:p>
+                      <a:pPr latinLnBrk="1"/>
+                      <a:r>
+                        <a:rPr lang="ko-KR" altLang="en-US" b="0" dirty="0">
+                          <a:solidFill>
+                            <a:schemeClr val="tx1"/>
+                          </a:solidFill>
+                        </a:rPr>
+                        <a:t>배경과 캐릭터 이동 구현</a:t>
+                      </a:r>
+                    </a:p>
+                  </a:txBody>
+                  <a:tcPr>
+                    <a:lnL w="12700" cap="flat" cmpd="sng" algn="ctr">
+                      <a:solidFill>
+                        <a:schemeClr val="tx1"/>
+                      </a:solidFill>
+                      <a:prstDash val="solid"/>
+                      <a:round/>
+                      <a:headEnd type="none" w="med" len="med"/>
+                      <a:tailEnd type="none" w="med" len="med"/>
+                    </a:lnL>
+                    <a:lnR w="12700" cap="flat" cmpd="sng" algn="ctr">
+                      <a:solidFill>
+                        <a:schemeClr val="tx1"/>
+                      </a:solidFill>
+                      <a:prstDash val="solid"/>
+                      <a:round/>
+                      <a:headEnd type="none" w="med" len="med"/>
+                      <a:tailEnd type="none" w="med" len="med"/>
+                    </a:lnR>
+                    <a:lnT w="12700" cap="flat" cmpd="sng" algn="ctr">
+                      <a:solidFill>
+                        <a:schemeClr val="tx1"/>
+                      </a:solidFill>
+                      <a:prstDash val="solid"/>
+                      <a:round/>
+                      <a:headEnd type="none" w="med" len="med"/>
+                      <a:tailEnd type="none" w="med" len="med"/>
+                    </a:lnT>
+                    <a:lnB w="12700" cap="flat" cmpd="sng" algn="ctr">
+                      <a:solidFill>
+                        <a:schemeClr val="tx1"/>
+                      </a:solidFill>
+                      <a:prstDash val="solid"/>
+                      <a:round/>
+                      <a:headEnd type="none" w="med" len="med"/>
+                      <a:tailEnd type="none" w="med" len="med"/>
+                    </a:lnB>
+                    <a:lnTlToBr w="12700" cmpd="sng">
+                      <a:noFill/>
+                      <a:prstDash val="solid"/>
+                    </a:lnTlToBr>
+                    <a:lnBlToTr w="12700" cmpd="sng">
+                      <a:noFill/>
+                      <a:prstDash val="solid"/>
+                    </a:lnBlToTr>
+                    <a:solidFill>
+                      <a:schemeClr val="bg1"/>
+                    </a:solidFill>
+                  </a:tcPr>
+                </a:tc>
+                <a:extLst>
+                  <a:ext uri="{0D108BD9-81ED-4DB2-BD59-A6C34878D82A}">
+                    <a16:rowId xmlns:a16="http://schemas.microsoft.com/office/drawing/2014/main" val="2494654623"/>
+                  </a:ext>
+                </a:extLst>
+              </a:tr>
+              <a:tr h="373530">
+                <a:tc>
+                  <a:txBody>
+                    <a:bodyPr/>
+                    <a:lstStyle/>
+                    <a:p>
+                      <a:pPr latinLnBrk="1"/>
+                      <a:r>
+                        <a:rPr lang="en-US" altLang="ko-KR" b="0" dirty="0">
+                          <a:solidFill>
+                            <a:schemeClr val="tx1"/>
+                          </a:solidFill>
+                        </a:rPr>
+                        <a:t>2</a:t>
+                      </a:r>
+                      <a:r>
+                        <a:rPr lang="ko-KR" altLang="en-US" b="0" dirty="0">
+                          <a:solidFill>
+                            <a:schemeClr val="tx1"/>
+                          </a:solidFill>
+                        </a:rPr>
+                        <a:t>주차</a:t>
+                      </a:r>
+                    </a:p>
+                  </a:txBody>
+                  <a:tcPr>
+                    <a:lnL w="12700" cap="flat" cmpd="sng" algn="ctr">
+                      <a:solidFill>
+                        <a:schemeClr val="tx1"/>
+                      </a:solidFill>
+                      <a:prstDash val="solid"/>
+                      <a:round/>
+                      <a:headEnd type="none" w="med" len="med"/>
+                      <a:tailEnd type="none" w="med" len="med"/>
+                    </a:lnL>
+                    <a:lnR w="12700" cap="flat" cmpd="sng" algn="ctr">
+                      <a:solidFill>
+                        <a:schemeClr val="tx1"/>
+                      </a:solidFill>
+                      <a:prstDash val="solid"/>
+                      <a:round/>
+                      <a:headEnd type="none" w="med" len="med"/>
+                      <a:tailEnd type="none" w="med" len="med"/>
+                    </a:lnR>
+                    <a:lnT w="12700" cap="flat" cmpd="sng" algn="ctr">
+                      <a:solidFill>
+                        <a:schemeClr val="tx1"/>
+                      </a:solidFill>
+                      <a:prstDash val="solid"/>
+                      <a:round/>
+                      <a:headEnd type="none" w="med" len="med"/>
+                      <a:tailEnd type="none" w="med" len="med"/>
+                    </a:lnT>
+                    <a:lnB w="12700" cap="flat" cmpd="sng" algn="ctr">
+                      <a:solidFill>
+                        <a:schemeClr val="tx1"/>
+                      </a:solidFill>
+                      <a:prstDash val="solid"/>
+                      <a:round/>
+                      <a:headEnd type="none" w="med" len="med"/>
+                      <a:tailEnd type="none" w="med" len="med"/>
+                    </a:lnB>
+                    <a:lnTlToBr w="12700" cmpd="sng">
+                      <a:noFill/>
+                      <a:prstDash val="solid"/>
+                    </a:lnTlToBr>
+                    <a:lnBlToTr w="12700" cmpd="sng">
+                      <a:noFill/>
+                      <a:prstDash val="solid"/>
+                    </a:lnBlToTr>
+                    <a:solidFill>
+                      <a:schemeClr val="bg1"/>
+                    </a:solidFill>
+                  </a:tcPr>
+                </a:tc>
+                <a:tc>
+                  <a:txBody>
+                    <a:bodyPr/>
+                    <a:lstStyle/>
+                    <a:p>
+                      <a:pPr latinLnBrk="1"/>
+                      <a:r>
+                        <a:rPr lang="ko-KR" altLang="en-US" b="0" dirty="0">
+                          <a:solidFill>
+                            <a:schemeClr val="tx1"/>
+                          </a:solidFill>
+                        </a:rPr>
+                        <a:t>시작화면</a:t>
+                      </a:r>
+                      <a:r>
+                        <a:rPr lang="en-US" altLang="ko-KR" b="0" dirty="0">
+                          <a:solidFill>
+                            <a:schemeClr val="tx1"/>
+                          </a:solidFill>
+                        </a:rPr>
+                        <a:t>, </a:t>
+                      </a:r>
+                      <a:r>
+                        <a:rPr lang="ko-KR" altLang="en-US" b="0" dirty="0">
+                          <a:solidFill>
+                            <a:schemeClr val="tx1"/>
+                          </a:solidFill>
+                        </a:rPr>
+                        <a:t>마을 구현</a:t>
+                      </a:r>
+                    </a:p>
+                  </a:txBody>
+                  <a:tcPr>
+                    <a:lnL w="12700" cap="flat" cmpd="sng" algn="ctr">
+                      <a:solidFill>
+                        <a:schemeClr val="tx1"/>
+                      </a:solidFill>
+                      <a:prstDash val="solid"/>
+                      <a:round/>
+                      <a:headEnd type="none" w="med" len="med"/>
+                      <a:tailEnd type="none" w="med" len="med"/>
+                    </a:lnL>
+                    <a:lnR w="12700" cap="flat" cmpd="sng" algn="ctr">
+                      <a:solidFill>
+                        <a:schemeClr val="tx1"/>
+                      </a:solidFill>
+                      <a:prstDash val="solid"/>
+                      <a:round/>
+                      <a:headEnd type="none" w="med" len="med"/>
+                      <a:tailEnd type="none" w="med" len="med"/>
+                    </a:lnR>
+                    <a:lnT w="12700" cap="flat" cmpd="sng" algn="ctr">
+                      <a:solidFill>
+                        <a:schemeClr val="tx1"/>
+                      </a:solidFill>
+                      <a:prstDash val="solid"/>
+                      <a:round/>
+                      <a:headEnd type="none" w="med" len="med"/>
+                      <a:tailEnd type="none" w="med" len="med"/>
+                    </a:lnT>
+                    <a:lnB w="12700" cap="flat" cmpd="sng" algn="ctr">
+                      <a:solidFill>
+                        <a:schemeClr val="tx1"/>
+                      </a:solidFill>
+                      <a:prstDash val="solid"/>
+                      <a:round/>
+                      <a:headEnd type="none" w="med" len="med"/>
+                      <a:tailEnd type="none" w="med" len="med"/>
+                    </a:lnB>
+                    <a:lnTlToBr w="12700" cmpd="sng">
+                      <a:noFill/>
+                      <a:prstDash val="solid"/>
+                    </a:lnTlToBr>
+                    <a:lnBlToTr w="12700" cmpd="sng">
+                      <a:noFill/>
+                      <a:prstDash val="solid"/>
+                    </a:lnBlToTr>
+                    <a:solidFill>
+                      <a:schemeClr val="bg1"/>
+                    </a:solidFill>
+                  </a:tcPr>
+                </a:tc>
+                <a:extLst>
+                  <a:ext uri="{0D108BD9-81ED-4DB2-BD59-A6C34878D82A}">
+                    <a16:rowId xmlns:a16="http://schemas.microsoft.com/office/drawing/2014/main" val="1404214489"/>
+                  </a:ext>
+                </a:extLst>
+              </a:tr>
+              <a:tr h="373530">
+                <a:tc>
+                  <a:txBody>
+                    <a:bodyPr/>
+                    <a:lstStyle/>
+                    <a:p>
+                      <a:pPr latinLnBrk="1"/>
+                      <a:r>
+                        <a:rPr lang="en-US" altLang="ko-KR" b="0" dirty="0">
+                          <a:solidFill>
+                            <a:schemeClr val="tx1"/>
+                          </a:solidFill>
+                        </a:rPr>
+                        <a:t>3</a:t>
+                      </a:r>
+                      <a:r>
+                        <a:rPr lang="ko-KR" altLang="en-US" b="0" dirty="0">
+                          <a:solidFill>
+                            <a:schemeClr val="tx1"/>
+                          </a:solidFill>
+                        </a:rPr>
+                        <a:t>주차</a:t>
+                      </a:r>
+                    </a:p>
+                  </a:txBody>
+                  <a:tcPr>
+                    <a:lnL w="12700" cap="flat" cmpd="sng" algn="ctr">
+                      <a:solidFill>
+                        <a:schemeClr val="tx1"/>
+                      </a:solidFill>
+                      <a:prstDash val="solid"/>
+                      <a:round/>
+                      <a:headEnd type="none" w="med" len="med"/>
+                      <a:tailEnd type="none" w="med" len="med"/>
+                    </a:lnL>
+                    <a:lnR w="12700" cap="flat" cmpd="sng" algn="ctr">
+                      <a:solidFill>
+                        <a:schemeClr val="tx1"/>
+                      </a:solidFill>
+                      <a:prstDash val="solid"/>
+                      <a:round/>
+                      <a:headEnd type="none" w="med" len="med"/>
+                      <a:tailEnd type="none" w="med" len="med"/>
+                    </a:lnR>
+                    <a:lnT w="12700" cap="flat" cmpd="sng" algn="ctr">
+                      <a:solidFill>
+                        <a:schemeClr val="tx1"/>
+                      </a:solidFill>
+                      <a:prstDash val="solid"/>
+                      <a:round/>
+                      <a:headEnd type="none" w="med" len="med"/>
+                      <a:tailEnd type="none" w="med" len="med"/>
+                    </a:lnT>
+                    <a:lnB w="12700" cap="flat" cmpd="sng" algn="ctr">
+                      <a:solidFill>
+                        <a:schemeClr val="tx1"/>
+                      </a:solidFill>
+                      <a:prstDash val="solid"/>
+                      <a:round/>
+                      <a:headEnd type="none" w="med" len="med"/>
+                      <a:tailEnd type="none" w="med" len="med"/>
+                    </a:lnB>
+                    <a:lnTlToBr w="12700" cmpd="sng">
+                      <a:noFill/>
+                      <a:prstDash val="solid"/>
+                    </a:lnTlToBr>
+                    <a:lnBlToTr w="12700" cmpd="sng">
+                      <a:noFill/>
+                      <a:prstDash val="solid"/>
+                    </a:lnBlToTr>
+                    <a:solidFill>
+                      <a:schemeClr val="bg1"/>
+                    </a:solidFill>
+                  </a:tcPr>
+                </a:tc>
+                <a:tc>
+                  <a:txBody>
+                    <a:bodyPr/>
+                    <a:lstStyle/>
+                    <a:p>
+                      <a:pPr latinLnBrk="1"/>
+                      <a:r>
+                        <a:rPr lang="ko-KR" altLang="en-US" b="0" dirty="0">
+                          <a:solidFill>
+                            <a:schemeClr val="tx1"/>
+                          </a:solidFill>
+                        </a:rPr>
+                        <a:t>스테이지</a:t>
+                      </a:r>
+                      <a:r>
+                        <a:rPr lang="en-US" altLang="ko-KR" b="0" dirty="0">
+                          <a:solidFill>
+                            <a:schemeClr val="tx1"/>
+                          </a:solidFill>
+                        </a:rPr>
+                        <a:t>1,2, </a:t>
+                      </a:r>
+                      <a:r>
+                        <a:rPr lang="ko-KR" altLang="en-US" b="0" dirty="0">
+                          <a:solidFill>
+                            <a:schemeClr val="tx1"/>
+                          </a:solidFill>
+                        </a:rPr>
+                        <a:t>기본공격 구현</a:t>
+                      </a:r>
+                    </a:p>
+                  </a:txBody>
+                  <a:tcPr>
+                    <a:lnL w="12700" cap="flat" cmpd="sng" algn="ctr">
+                      <a:solidFill>
+                        <a:schemeClr val="tx1"/>
+                      </a:solidFill>
+                      <a:prstDash val="solid"/>
+                      <a:round/>
+                      <a:headEnd type="none" w="med" len="med"/>
+                      <a:tailEnd type="none" w="med" len="med"/>
+                    </a:lnL>
+                    <a:lnR w="12700" cap="flat" cmpd="sng" algn="ctr">
+                      <a:solidFill>
+                        <a:schemeClr val="tx1"/>
+                      </a:solidFill>
+                      <a:prstDash val="solid"/>
+                      <a:round/>
+                      <a:headEnd type="none" w="med" len="med"/>
+                      <a:tailEnd type="none" w="med" len="med"/>
+                    </a:lnR>
+                    <a:lnT w="12700" cap="flat" cmpd="sng" algn="ctr">
+                      <a:solidFill>
+                        <a:schemeClr val="tx1"/>
+                      </a:solidFill>
+                      <a:prstDash val="solid"/>
+                      <a:round/>
+                      <a:headEnd type="none" w="med" len="med"/>
+                      <a:tailEnd type="none" w="med" len="med"/>
+                    </a:lnT>
+                    <a:lnB w="12700" cap="flat" cmpd="sng" algn="ctr">
+                      <a:solidFill>
+                        <a:schemeClr val="tx1"/>
+                      </a:solidFill>
+                      <a:prstDash val="solid"/>
+                      <a:round/>
+                      <a:headEnd type="none" w="med" len="med"/>
+                      <a:tailEnd type="none" w="med" len="med"/>
+                    </a:lnB>
+                    <a:lnTlToBr w="12700" cmpd="sng">
+                      <a:noFill/>
+                      <a:prstDash val="solid"/>
+                    </a:lnTlToBr>
+                    <a:lnBlToTr w="12700" cmpd="sng">
+                      <a:noFill/>
+                      <a:prstDash val="solid"/>
+                    </a:lnBlToTr>
+                    <a:solidFill>
+                      <a:schemeClr val="bg1"/>
+                    </a:solidFill>
+                  </a:tcPr>
+                </a:tc>
+                <a:extLst>
+                  <a:ext uri="{0D108BD9-81ED-4DB2-BD59-A6C34878D82A}">
+                    <a16:rowId xmlns:a16="http://schemas.microsoft.com/office/drawing/2014/main" val="2282237791"/>
+                  </a:ext>
+                </a:extLst>
+              </a:tr>
+              <a:tr h="373530">
+                <a:tc>
+                  <a:txBody>
+                    <a:bodyPr/>
+                    <a:lstStyle/>
+                    <a:p>
+                      <a:pPr latinLnBrk="1"/>
+                      <a:r>
+                        <a:rPr lang="en-US" altLang="ko-KR" b="0" dirty="0">
+                          <a:solidFill>
+                            <a:schemeClr val="tx1"/>
+                          </a:solidFill>
+                        </a:rPr>
+                        <a:t>4</a:t>
+                      </a:r>
+                      <a:r>
+                        <a:rPr lang="ko-KR" altLang="en-US" b="0" dirty="0">
+                          <a:solidFill>
+                            <a:schemeClr val="tx1"/>
+                          </a:solidFill>
+                        </a:rPr>
+                        <a:t>주차</a:t>
+                      </a:r>
+                    </a:p>
+                  </a:txBody>
+                  <a:tcPr>
+                    <a:lnL w="12700" cap="flat" cmpd="sng" algn="ctr">
+                      <a:solidFill>
+                        <a:schemeClr val="tx1"/>
+                      </a:solidFill>
+                      <a:prstDash val="solid"/>
+                      <a:round/>
+                      <a:headEnd type="none" w="med" len="med"/>
+                      <a:tailEnd type="none" w="med" len="med"/>
+                    </a:lnL>
+                    <a:lnR w="12700" cap="flat" cmpd="sng" algn="ctr">
+                      <a:solidFill>
+                        <a:schemeClr val="tx1"/>
+                      </a:solidFill>
+                      <a:prstDash val="solid"/>
+                      <a:round/>
+                      <a:headEnd type="none" w="med" len="med"/>
+                      <a:tailEnd type="none" w="med" len="med"/>
+                    </a:lnR>
+                    <a:lnT w="12700" cap="flat" cmpd="sng" algn="ctr">
+                      <a:solidFill>
+                        <a:schemeClr val="tx1"/>
+                      </a:solidFill>
+                      <a:prstDash val="solid"/>
+                      <a:round/>
+                      <a:headEnd type="none" w="med" len="med"/>
+                      <a:tailEnd type="none" w="med" len="med"/>
+                    </a:lnT>
+                    <a:lnB w="12700" cap="flat" cmpd="sng" algn="ctr">
+                      <a:solidFill>
+                        <a:schemeClr val="tx1"/>
+                      </a:solidFill>
+                      <a:prstDash val="solid"/>
+                      <a:round/>
+                      <a:headEnd type="none" w="med" len="med"/>
+                      <a:tailEnd type="none" w="med" len="med"/>
+                    </a:lnB>
+                    <a:lnTlToBr w="12700" cmpd="sng">
+                      <a:noFill/>
+                      <a:prstDash val="solid"/>
+                    </a:lnTlToBr>
+                    <a:lnBlToTr w="12700" cmpd="sng">
+                      <a:noFill/>
+                      <a:prstDash val="solid"/>
+                    </a:lnBlToTr>
+                    <a:solidFill>
+                      <a:schemeClr val="bg1"/>
+                    </a:solidFill>
+                  </a:tcPr>
+                </a:tc>
+                <a:tc>
+                  <a:txBody>
+                    <a:bodyPr/>
+                    <a:lstStyle/>
+                    <a:p>
+                      <a:pPr latinLnBrk="1"/>
+                      <a:r>
+                        <a:rPr lang="ko-KR" altLang="en-US" b="0" dirty="0">
+                          <a:solidFill>
+                            <a:schemeClr val="tx1"/>
+                          </a:solidFill>
+                        </a:rPr>
+                        <a:t>스킬 구현</a:t>
+                      </a:r>
+                      <a:r>
+                        <a:rPr lang="en-US" altLang="ko-KR" b="0" dirty="0">
+                          <a:solidFill>
+                            <a:schemeClr val="tx1"/>
+                          </a:solidFill>
+                        </a:rPr>
+                        <a:t>, </a:t>
+                      </a:r>
+                      <a:r>
+                        <a:rPr lang="ko-KR" altLang="en-US" b="0" dirty="0">
+                          <a:solidFill>
+                            <a:schemeClr val="tx1"/>
+                          </a:solidFill>
+                        </a:rPr>
+                        <a:t>적 구현</a:t>
+                      </a:r>
+                    </a:p>
+                  </a:txBody>
+                  <a:tcPr>
+                    <a:lnL w="12700" cap="flat" cmpd="sng" algn="ctr">
+                      <a:solidFill>
+                        <a:schemeClr val="tx1"/>
+                      </a:solidFill>
+                      <a:prstDash val="solid"/>
+                      <a:round/>
+                      <a:headEnd type="none" w="med" len="med"/>
+                      <a:tailEnd type="none" w="med" len="med"/>
+                    </a:lnL>
+                    <a:lnR w="12700" cap="flat" cmpd="sng" algn="ctr">
+                      <a:solidFill>
+                        <a:schemeClr val="tx1"/>
+                      </a:solidFill>
+                      <a:prstDash val="solid"/>
+                      <a:round/>
+                      <a:headEnd type="none" w="med" len="med"/>
+                      <a:tailEnd type="none" w="med" len="med"/>
+                    </a:lnR>
+                    <a:lnT w="12700" cap="flat" cmpd="sng" algn="ctr">
+                      <a:solidFill>
+                        <a:schemeClr val="tx1"/>
+                      </a:solidFill>
+                      <a:prstDash val="solid"/>
+                      <a:round/>
+                      <a:headEnd type="none" w="med" len="med"/>
+                      <a:tailEnd type="none" w="med" len="med"/>
+                    </a:lnT>
+                    <a:lnB w="12700" cap="flat" cmpd="sng" algn="ctr">
+                      <a:solidFill>
+                        <a:schemeClr val="tx1"/>
+                      </a:solidFill>
+                      <a:prstDash val="solid"/>
+                      <a:round/>
+                      <a:headEnd type="none" w="med" len="med"/>
+                      <a:tailEnd type="none" w="med" len="med"/>
+                    </a:lnB>
+                    <a:lnTlToBr w="12700" cmpd="sng">
+                      <a:noFill/>
+                      <a:prstDash val="solid"/>
+                    </a:lnTlToBr>
+                    <a:lnBlToTr w="12700" cmpd="sng">
+                      <a:noFill/>
+                      <a:prstDash val="solid"/>
+                    </a:lnBlToTr>
+                    <a:solidFill>
+                      <a:schemeClr val="bg1"/>
+                    </a:solidFill>
+                  </a:tcPr>
+                </a:tc>
+                <a:extLst>
+                  <a:ext uri="{0D108BD9-81ED-4DB2-BD59-A6C34878D82A}">
+                    <a16:rowId xmlns:a16="http://schemas.microsoft.com/office/drawing/2014/main" val="4079342887"/>
+                  </a:ext>
+                </a:extLst>
+              </a:tr>
+              <a:tr h="373530">
+                <a:tc>
+                  <a:txBody>
+                    <a:bodyPr/>
+                    <a:lstStyle/>
+                    <a:p>
+                      <a:pPr latinLnBrk="1"/>
+                      <a:r>
+                        <a:rPr lang="en-US" altLang="ko-KR" b="0" dirty="0">
+                          <a:solidFill>
+                            <a:schemeClr val="tx1"/>
+                          </a:solidFill>
+                        </a:rPr>
+                        <a:t>5</a:t>
+                      </a:r>
+                      <a:r>
+                        <a:rPr lang="ko-KR" altLang="en-US" b="0" dirty="0">
+                          <a:solidFill>
+                            <a:schemeClr val="tx1"/>
+                          </a:solidFill>
+                        </a:rPr>
+                        <a:t>주차</a:t>
+                      </a:r>
+                    </a:p>
+                  </a:txBody>
+                  <a:tcPr>
+                    <a:lnL w="12700" cap="flat" cmpd="sng" algn="ctr">
+                      <a:solidFill>
+                        <a:schemeClr val="tx1"/>
+                      </a:solidFill>
+                      <a:prstDash val="solid"/>
+                      <a:round/>
+                      <a:headEnd type="none" w="med" len="med"/>
+                      <a:tailEnd type="none" w="med" len="med"/>
+                    </a:lnL>
+                    <a:lnR w="12700" cap="flat" cmpd="sng" algn="ctr">
+                      <a:solidFill>
+                        <a:schemeClr val="tx1"/>
+                      </a:solidFill>
+                      <a:prstDash val="solid"/>
+                      <a:round/>
+                      <a:headEnd type="none" w="med" len="med"/>
+                      <a:tailEnd type="none" w="med" len="med"/>
+                    </a:lnR>
+                    <a:lnT w="12700" cap="flat" cmpd="sng" algn="ctr">
+                      <a:solidFill>
+                        <a:schemeClr val="tx1"/>
+                      </a:solidFill>
+                      <a:prstDash val="solid"/>
+                      <a:round/>
+                      <a:headEnd type="none" w="med" len="med"/>
+                      <a:tailEnd type="none" w="med" len="med"/>
+                    </a:lnT>
+                    <a:lnB w="12700" cap="flat" cmpd="sng" algn="ctr">
+                      <a:solidFill>
+                        <a:schemeClr val="tx1"/>
+                      </a:solidFill>
+                      <a:prstDash val="solid"/>
+                      <a:round/>
+                      <a:headEnd type="none" w="med" len="med"/>
+                      <a:tailEnd type="none" w="med" len="med"/>
+                    </a:lnB>
+                    <a:lnTlToBr w="12700" cmpd="sng">
+                      <a:noFill/>
+                      <a:prstDash val="solid"/>
+                    </a:lnTlToBr>
+                    <a:lnBlToTr w="12700" cmpd="sng">
+                      <a:noFill/>
+                      <a:prstDash val="solid"/>
+                    </a:lnBlToTr>
+                    <a:solidFill>
+                      <a:schemeClr val="bg1"/>
+                    </a:solidFill>
+                  </a:tcPr>
+                </a:tc>
+                <a:tc>
+                  <a:txBody>
+                    <a:bodyPr/>
+                    <a:lstStyle/>
+                    <a:p>
+                      <a:pPr latinLnBrk="1"/>
+                      <a:r>
+                        <a:rPr lang="ko-KR" altLang="en-US" b="0" dirty="0" err="1">
+                          <a:solidFill>
+                            <a:schemeClr val="tx1"/>
+                          </a:solidFill>
+                        </a:rPr>
+                        <a:t>레벨업</a:t>
+                      </a:r>
+                      <a:r>
+                        <a:rPr lang="ko-KR" altLang="en-US" b="0" dirty="0">
+                          <a:solidFill>
+                            <a:schemeClr val="tx1"/>
+                          </a:solidFill>
+                        </a:rPr>
+                        <a:t> 시스템 기술 진화 구현</a:t>
+                      </a:r>
+                    </a:p>
+                  </a:txBody>
+                  <a:tcPr>
+                    <a:lnL w="12700" cap="flat" cmpd="sng" algn="ctr">
+                      <a:solidFill>
+                        <a:schemeClr val="tx1"/>
+                      </a:solidFill>
+                      <a:prstDash val="solid"/>
+                      <a:round/>
+                      <a:headEnd type="none" w="med" len="med"/>
+                      <a:tailEnd type="none" w="med" len="med"/>
+                    </a:lnL>
+                    <a:lnR w="12700" cap="flat" cmpd="sng" algn="ctr">
+                      <a:solidFill>
+                        <a:schemeClr val="tx1"/>
+                      </a:solidFill>
+                      <a:prstDash val="solid"/>
+                      <a:round/>
+                      <a:headEnd type="none" w="med" len="med"/>
+                      <a:tailEnd type="none" w="med" len="med"/>
+                    </a:lnR>
+                    <a:lnT w="12700" cap="flat" cmpd="sng" algn="ctr">
+                      <a:solidFill>
+                        <a:schemeClr val="tx1"/>
+                      </a:solidFill>
+                      <a:prstDash val="solid"/>
+                      <a:round/>
+                      <a:headEnd type="none" w="med" len="med"/>
+                      <a:tailEnd type="none" w="med" len="med"/>
+                    </a:lnT>
+                    <a:lnB w="12700" cap="flat" cmpd="sng" algn="ctr">
+                      <a:solidFill>
+                        <a:schemeClr val="tx1"/>
+                      </a:solidFill>
+                      <a:prstDash val="solid"/>
+                      <a:round/>
+                      <a:headEnd type="none" w="med" len="med"/>
+                      <a:tailEnd type="none" w="med" len="med"/>
+                    </a:lnB>
+                    <a:lnTlToBr w="12700" cmpd="sng">
+                      <a:noFill/>
+                      <a:prstDash val="solid"/>
+                    </a:lnTlToBr>
+                    <a:lnBlToTr w="12700" cmpd="sng">
+                      <a:noFill/>
+                      <a:prstDash val="solid"/>
+                    </a:lnBlToTr>
+                    <a:solidFill>
+                      <a:schemeClr val="bg1"/>
+                    </a:solidFill>
+                  </a:tcPr>
+                </a:tc>
+                <a:extLst>
+                  <a:ext uri="{0D108BD9-81ED-4DB2-BD59-A6C34878D82A}">
+                    <a16:rowId xmlns:a16="http://schemas.microsoft.com/office/drawing/2014/main" val="2772332990"/>
+                  </a:ext>
+                </a:extLst>
+              </a:tr>
+              <a:tr h="373530">
+                <a:tc>
+                  <a:txBody>
+                    <a:bodyPr/>
+                    <a:lstStyle/>
+                    <a:p>
+                      <a:pPr latinLnBrk="1"/>
+                      <a:r>
+                        <a:rPr lang="en-US" altLang="ko-KR" b="0" dirty="0">
+                          <a:solidFill>
+                            <a:schemeClr val="tx1"/>
+                          </a:solidFill>
+                        </a:rPr>
+                        <a:t>6</a:t>
+                      </a:r>
+                      <a:r>
+                        <a:rPr lang="ko-KR" altLang="en-US" b="0" dirty="0">
+                          <a:solidFill>
+                            <a:schemeClr val="tx1"/>
+                          </a:solidFill>
+                        </a:rPr>
+                        <a:t>주차</a:t>
+                      </a:r>
+                    </a:p>
+                  </a:txBody>
+                  <a:tcPr>
+                    <a:lnL w="12700" cap="flat" cmpd="sng" algn="ctr">
+                      <a:solidFill>
+                        <a:schemeClr val="tx1"/>
+                      </a:solidFill>
+                      <a:prstDash val="solid"/>
+                      <a:round/>
+                      <a:headEnd type="none" w="med" len="med"/>
+                      <a:tailEnd type="none" w="med" len="med"/>
+                    </a:lnL>
+                    <a:lnR w="12700" cap="flat" cmpd="sng" algn="ctr">
+                      <a:solidFill>
+                        <a:schemeClr val="tx1"/>
+                      </a:solidFill>
+                      <a:prstDash val="solid"/>
+                      <a:round/>
+                      <a:headEnd type="none" w="med" len="med"/>
+                      <a:tailEnd type="none" w="med" len="med"/>
+                    </a:lnR>
+                    <a:lnT w="12700" cap="flat" cmpd="sng" algn="ctr">
+                      <a:solidFill>
+                        <a:schemeClr val="tx1"/>
+                      </a:solidFill>
+                      <a:prstDash val="solid"/>
+                      <a:round/>
+                      <a:headEnd type="none" w="med" len="med"/>
+                      <a:tailEnd type="none" w="med" len="med"/>
+                    </a:lnT>
+                    <a:lnB w="12700" cap="flat" cmpd="sng" algn="ctr">
+                      <a:solidFill>
+                        <a:schemeClr val="tx1"/>
+                      </a:solidFill>
+                      <a:prstDash val="solid"/>
+                      <a:round/>
+                      <a:headEnd type="none" w="med" len="med"/>
+                      <a:tailEnd type="none" w="med" len="med"/>
+                    </a:lnB>
+                    <a:lnTlToBr w="12700" cmpd="sng">
+                      <a:noFill/>
+                      <a:prstDash val="solid"/>
+                    </a:lnTlToBr>
+                    <a:lnBlToTr w="12700" cmpd="sng">
+                      <a:noFill/>
+                      <a:prstDash val="solid"/>
+                    </a:lnBlToTr>
+                    <a:solidFill>
+                      <a:schemeClr val="bg1"/>
+                    </a:solidFill>
+                  </a:tcPr>
+                </a:tc>
+                <a:tc>
+                  <a:txBody>
+                    <a:bodyPr/>
+                    <a:lstStyle/>
+                    <a:p>
+                      <a:pPr latinLnBrk="1"/>
+                      <a:r>
+                        <a:rPr lang="ko-KR" altLang="en-US" b="0" dirty="0">
+                          <a:solidFill>
+                            <a:schemeClr val="tx1"/>
+                          </a:solidFill>
+                        </a:rPr>
+                        <a:t>보스 구현</a:t>
+                      </a:r>
+                    </a:p>
+                  </a:txBody>
+                  <a:tcPr>
+                    <a:lnL w="12700" cap="flat" cmpd="sng" algn="ctr">
+                      <a:solidFill>
+                        <a:schemeClr val="tx1"/>
+                      </a:solidFill>
+                      <a:prstDash val="solid"/>
+                      <a:round/>
+                      <a:headEnd type="none" w="med" len="med"/>
+                      <a:tailEnd type="none" w="med" len="med"/>
+                    </a:lnL>
+                    <a:lnR w="12700" cap="flat" cmpd="sng" algn="ctr">
+                      <a:solidFill>
+                        <a:schemeClr val="tx1"/>
+                      </a:solidFill>
+                      <a:prstDash val="solid"/>
+                      <a:round/>
+                      <a:headEnd type="none" w="med" len="med"/>
+                      <a:tailEnd type="none" w="med" len="med"/>
+                    </a:lnR>
+                    <a:lnT w="12700" cap="flat" cmpd="sng" algn="ctr">
+                      <a:solidFill>
+                        <a:schemeClr val="tx1"/>
+                      </a:solidFill>
+                      <a:prstDash val="solid"/>
+                      <a:round/>
+                      <a:headEnd type="none" w="med" len="med"/>
+                      <a:tailEnd type="none" w="med" len="med"/>
+                    </a:lnT>
+                    <a:lnB w="12700" cap="flat" cmpd="sng" algn="ctr">
+                      <a:solidFill>
+                        <a:schemeClr val="tx1"/>
+                      </a:solidFill>
+                      <a:prstDash val="solid"/>
+                      <a:round/>
+                      <a:headEnd type="none" w="med" len="med"/>
+                      <a:tailEnd type="none" w="med" len="med"/>
+                    </a:lnB>
+                    <a:lnTlToBr w="12700" cmpd="sng">
+                      <a:noFill/>
+                      <a:prstDash val="solid"/>
+                    </a:lnTlToBr>
+                    <a:lnBlToTr w="12700" cmpd="sng">
+                      <a:noFill/>
+                      <a:prstDash val="solid"/>
+                    </a:lnBlToTr>
+                    <a:solidFill>
+                      <a:schemeClr val="bg1"/>
+                    </a:solidFill>
+                  </a:tcPr>
+                </a:tc>
+                <a:extLst>
+                  <a:ext uri="{0D108BD9-81ED-4DB2-BD59-A6C34878D82A}">
+                    <a16:rowId xmlns:a16="http://schemas.microsoft.com/office/drawing/2014/main" val="2014140686"/>
+                  </a:ext>
+                </a:extLst>
+              </a:tr>
+              <a:tr h="373530">
+                <a:tc>
+                  <a:txBody>
+                    <a:bodyPr/>
+                    <a:lstStyle/>
+                    <a:p>
+                      <a:pPr latinLnBrk="1"/>
+                      <a:r>
+                        <a:rPr lang="en-US" altLang="ko-KR" b="0" dirty="0">
+                          <a:solidFill>
+                            <a:schemeClr val="tx1"/>
+                          </a:solidFill>
+                        </a:rPr>
+                        <a:t>7</a:t>
+                      </a:r>
+                      <a:r>
+                        <a:rPr lang="ko-KR" altLang="en-US" b="0" dirty="0">
+                          <a:solidFill>
+                            <a:schemeClr val="tx1"/>
+                          </a:solidFill>
+                        </a:rPr>
+                        <a:t>주차</a:t>
+                      </a:r>
+                    </a:p>
+                  </a:txBody>
+                  <a:tcPr>
+                    <a:lnL w="12700" cap="flat" cmpd="sng" algn="ctr">
+                      <a:solidFill>
+                        <a:schemeClr val="tx1"/>
+                      </a:solidFill>
+                      <a:prstDash val="solid"/>
+                      <a:round/>
+                      <a:headEnd type="none" w="med" len="med"/>
+                      <a:tailEnd type="none" w="med" len="med"/>
+                    </a:lnL>
+                    <a:lnR w="12700" cap="flat" cmpd="sng" algn="ctr">
+                      <a:solidFill>
+                        <a:schemeClr val="tx1"/>
+                      </a:solidFill>
+                      <a:prstDash val="solid"/>
+                      <a:round/>
+                      <a:headEnd type="none" w="med" len="med"/>
+                      <a:tailEnd type="none" w="med" len="med"/>
+                    </a:lnR>
+                    <a:lnT w="12700" cap="flat" cmpd="sng" algn="ctr">
+                      <a:solidFill>
+                        <a:schemeClr val="tx1"/>
+                      </a:solidFill>
+                      <a:prstDash val="solid"/>
+                      <a:round/>
+                      <a:headEnd type="none" w="med" len="med"/>
+                      <a:tailEnd type="none" w="med" len="med"/>
+                    </a:lnT>
+                    <a:lnB w="12700" cap="flat" cmpd="sng" algn="ctr">
+                      <a:solidFill>
+                        <a:schemeClr val="tx1"/>
+                      </a:solidFill>
+                      <a:prstDash val="solid"/>
+                      <a:round/>
+                      <a:headEnd type="none" w="med" len="med"/>
+                      <a:tailEnd type="none" w="med" len="med"/>
+                    </a:lnB>
+                    <a:lnTlToBr w="12700" cmpd="sng">
+                      <a:noFill/>
+                      <a:prstDash val="solid"/>
+                    </a:lnTlToBr>
+                    <a:lnBlToTr w="12700" cmpd="sng">
+                      <a:noFill/>
+                      <a:prstDash val="solid"/>
+                    </a:lnBlToTr>
+                    <a:solidFill>
+                      <a:schemeClr val="bg1"/>
+                    </a:solidFill>
+                  </a:tcPr>
+                </a:tc>
+                <a:tc>
+                  <a:txBody>
+                    <a:bodyPr/>
+                    <a:lstStyle/>
+                    <a:p>
+                      <a:pPr latinLnBrk="1"/>
+                      <a:r>
+                        <a:rPr lang="ko-KR" altLang="en-US" b="0" dirty="0">
+                          <a:solidFill>
+                            <a:schemeClr val="tx1"/>
+                          </a:solidFill>
+                        </a:rPr>
+                        <a:t>게임 스토리 및 퀘스트 구현</a:t>
+                      </a:r>
+                    </a:p>
+                  </a:txBody>
+                  <a:tcPr>
+                    <a:lnL w="12700" cap="flat" cmpd="sng" algn="ctr">
+                      <a:solidFill>
+                        <a:schemeClr val="tx1"/>
+                      </a:solidFill>
+                      <a:prstDash val="solid"/>
+                      <a:round/>
+                      <a:headEnd type="none" w="med" len="med"/>
+                      <a:tailEnd type="none" w="med" len="med"/>
+                    </a:lnL>
+                    <a:lnR w="12700" cap="flat" cmpd="sng" algn="ctr">
+                      <a:solidFill>
+                        <a:schemeClr val="tx1"/>
+                      </a:solidFill>
+                      <a:prstDash val="solid"/>
+                      <a:round/>
+                      <a:headEnd type="none" w="med" len="med"/>
+                      <a:tailEnd type="none" w="med" len="med"/>
+                    </a:lnR>
+                    <a:lnT w="12700" cap="flat" cmpd="sng" algn="ctr">
+                      <a:solidFill>
+                        <a:schemeClr val="tx1"/>
+                      </a:solidFill>
+                      <a:prstDash val="solid"/>
+                      <a:round/>
+                      <a:headEnd type="none" w="med" len="med"/>
+                      <a:tailEnd type="none" w="med" len="med"/>
+                    </a:lnT>
+                    <a:lnB w="12700" cap="flat" cmpd="sng" algn="ctr">
+                      <a:solidFill>
+                        <a:schemeClr val="tx1"/>
+                      </a:solidFill>
+                      <a:prstDash val="solid"/>
+                      <a:round/>
+                      <a:headEnd type="none" w="med" len="med"/>
+                      <a:tailEnd type="none" w="med" len="med"/>
+                    </a:lnB>
+                    <a:lnTlToBr w="12700" cmpd="sng">
+                      <a:noFill/>
+                      <a:prstDash val="solid"/>
+                    </a:lnTlToBr>
+                    <a:lnBlToTr w="12700" cmpd="sng">
+                      <a:noFill/>
+                      <a:prstDash val="solid"/>
+                    </a:lnBlToTr>
+                    <a:solidFill>
+                      <a:schemeClr val="bg1"/>
+                    </a:solidFill>
+                  </a:tcPr>
+                </a:tc>
+                <a:extLst>
+                  <a:ext uri="{0D108BD9-81ED-4DB2-BD59-A6C34878D82A}">
+                    <a16:rowId xmlns:a16="http://schemas.microsoft.com/office/drawing/2014/main" val="3998479390"/>
+                  </a:ext>
+                </a:extLst>
+              </a:tr>
+              <a:tr h="373530">
+                <a:tc>
+                  <a:txBody>
+                    <a:bodyPr/>
+                    <a:lstStyle/>
+                    <a:p>
+                      <a:pPr latinLnBrk="1"/>
+                      <a:r>
+                        <a:rPr lang="en-US" altLang="ko-KR" b="0" dirty="0">
+                          <a:solidFill>
+                            <a:schemeClr val="tx1"/>
+                          </a:solidFill>
+                        </a:rPr>
+                        <a:t>8</a:t>
+                      </a:r>
+                      <a:r>
+                        <a:rPr lang="ko-KR" altLang="en-US" b="0" dirty="0">
+                          <a:solidFill>
+                            <a:schemeClr val="tx1"/>
+                          </a:solidFill>
+                        </a:rPr>
+                        <a:t>주차</a:t>
+                      </a:r>
+                    </a:p>
+                  </a:txBody>
+                  <a:tcPr>
+                    <a:lnL w="12700" cap="flat" cmpd="sng" algn="ctr">
+                      <a:solidFill>
+                        <a:schemeClr val="tx1"/>
+                      </a:solidFill>
+                      <a:prstDash val="solid"/>
+                      <a:round/>
+                      <a:headEnd type="none" w="med" len="med"/>
+                      <a:tailEnd type="none" w="med" len="med"/>
+                    </a:lnL>
+                    <a:lnR w="12700" cap="flat" cmpd="sng" algn="ctr">
+                      <a:solidFill>
+                        <a:schemeClr val="tx1"/>
+                      </a:solidFill>
+                      <a:prstDash val="solid"/>
+                      <a:round/>
+                      <a:headEnd type="none" w="med" len="med"/>
+                      <a:tailEnd type="none" w="med" len="med"/>
+                    </a:lnR>
+                    <a:lnT w="12700" cap="flat" cmpd="sng" algn="ctr">
+                      <a:solidFill>
+                        <a:schemeClr val="tx1"/>
+                      </a:solidFill>
+                      <a:prstDash val="solid"/>
+                      <a:round/>
+                      <a:headEnd type="none" w="med" len="med"/>
+                      <a:tailEnd type="none" w="med" len="med"/>
+                    </a:lnT>
+                    <a:lnB w="12700" cap="flat" cmpd="sng" algn="ctr">
+                      <a:solidFill>
+                        <a:schemeClr val="tx1"/>
+                      </a:solidFill>
+                      <a:prstDash val="solid"/>
+                      <a:round/>
+                      <a:headEnd type="none" w="med" len="med"/>
+                      <a:tailEnd type="none" w="med" len="med"/>
+                    </a:lnB>
+                    <a:lnTlToBr w="12700" cmpd="sng">
+                      <a:noFill/>
+                      <a:prstDash val="solid"/>
+                    </a:lnTlToBr>
+                    <a:lnBlToTr w="12700" cmpd="sng">
+                      <a:noFill/>
+                      <a:prstDash val="solid"/>
+                    </a:lnBlToTr>
+                    <a:solidFill>
+                      <a:schemeClr val="bg1"/>
+                    </a:solidFill>
+                  </a:tcPr>
+                </a:tc>
+                <a:tc>
+                  <a:txBody>
+                    <a:bodyPr/>
+                    <a:lstStyle/>
+                    <a:p>
+                      <a:pPr latinLnBrk="1"/>
+                      <a:r>
+                        <a:rPr lang="ko-KR" altLang="en-US" b="0" dirty="0">
+                          <a:solidFill>
+                            <a:schemeClr val="tx1"/>
+                          </a:solidFill>
+                        </a:rPr>
+                        <a:t>캐릭터 선택 구현</a:t>
+                      </a:r>
+                    </a:p>
+                  </a:txBody>
+                  <a:tcPr>
+                    <a:lnL w="12700" cap="flat" cmpd="sng" algn="ctr">
+                      <a:solidFill>
+                        <a:schemeClr val="tx1"/>
+                      </a:solidFill>
+                      <a:prstDash val="solid"/>
+                      <a:round/>
+                      <a:headEnd type="none" w="med" len="med"/>
+                      <a:tailEnd type="none" w="med" len="med"/>
+                    </a:lnL>
+                    <a:lnR w="12700" cap="flat" cmpd="sng" algn="ctr">
+                      <a:solidFill>
+                        <a:schemeClr val="tx1"/>
+                      </a:solidFill>
+                      <a:prstDash val="solid"/>
+                      <a:round/>
+                      <a:headEnd type="none" w="med" len="med"/>
+                      <a:tailEnd type="none" w="med" len="med"/>
+                    </a:lnR>
+                    <a:lnT w="12700" cap="flat" cmpd="sng" algn="ctr">
+                      <a:solidFill>
+                        <a:schemeClr val="tx1"/>
+                      </a:solidFill>
+                      <a:prstDash val="solid"/>
+                      <a:round/>
+                      <a:headEnd type="none" w="med" len="med"/>
+                      <a:tailEnd type="none" w="med" len="med"/>
+                    </a:lnT>
+                    <a:lnB w="12700" cap="flat" cmpd="sng" algn="ctr">
+                      <a:solidFill>
+                        <a:schemeClr val="tx1"/>
+                      </a:solidFill>
+                      <a:prstDash val="solid"/>
+                      <a:round/>
+                      <a:headEnd type="none" w="med" len="med"/>
+                      <a:tailEnd type="none" w="med" len="med"/>
+                    </a:lnB>
+                    <a:lnTlToBr w="12700" cmpd="sng">
+                      <a:noFill/>
+                      <a:prstDash val="solid"/>
+                    </a:lnTlToBr>
+                    <a:lnBlToTr w="12700" cmpd="sng">
+                      <a:noFill/>
+                      <a:prstDash val="solid"/>
+                    </a:lnBlToTr>
+                    <a:solidFill>
+                      <a:schemeClr val="bg1"/>
+                    </a:solidFill>
+                  </a:tcPr>
+                </a:tc>
+                <a:extLst>
+                  <a:ext uri="{0D108BD9-81ED-4DB2-BD59-A6C34878D82A}">
+                    <a16:rowId xmlns:a16="http://schemas.microsoft.com/office/drawing/2014/main" val="924725895"/>
+                  </a:ext>
+                </a:extLst>
+              </a:tr>
+              <a:tr h="373530">
+                <a:tc>
+                  <a:txBody>
+                    <a:bodyPr/>
+                    <a:lstStyle/>
+                    <a:p>
+                      <a:pPr latinLnBrk="1"/>
+                      <a:r>
+                        <a:rPr lang="en-US" altLang="ko-KR" b="0" dirty="0">
+                          <a:solidFill>
+                            <a:schemeClr val="tx1"/>
+                          </a:solidFill>
+                        </a:rPr>
+                        <a:t>9</a:t>
+                      </a:r>
+                      <a:r>
+                        <a:rPr lang="ko-KR" altLang="en-US" b="0" dirty="0">
+                          <a:solidFill>
+                            <a:schemeClr val="tx1"/>
+                          </a:solidFill>
+                        </a:rPr>
+                        <a:t>주차</a:t>
+                      </a:r>
+                    </a:p>
+                  </a:txBody>
+                  <a:tcPr>
+                    <a:lnL w="12700" cap="flat" cmpd="sng" algn="ctr">
+                      <a:solidFill>
+                        <a:schemeClr val="tx1"/>
+                      </a:solidFill>
+                      <a:prstDash val="solid"/>
+                      <a:round/>
+                      <a:headEnd type="none" w="med" len="med"/>
+                      <a:tailEnd type="none" w="med" len="med"/>
+                    </a:lnL>
+                    <a:lnR w="12700" cap="flat" cmpd="sng" algn="ctr">
+                      <a:solidFill>
+                        <a:schemeClr val="tx1"/>
+                      </a:solidFill>
+                      <a:prstDash val="solid"/>
+                      <a:round/>
+                      <a:headEnd type="none" w="med" len="med"/>
+                      <a:tailEnd type="none" w="med" len="med"/>
+                    </a:lnR>
+                    <a:lnT w="12700" cap="flat" cmpd="sng" algn="ctr">
+                      <a:solidFill>
+                        <a:schemeClr val="tx1"/>
+                      </a:solidFill>
+                      <a:prstDash val="solid"/>
+                      <a:round/>
+                      <a:headEnd type="none" w="med" len="med"/>
+                      <a:tailEnd type="none" w="med" len="med"/>
+                    </a:lnT>
+                    <a:lnB w="12700" cap="flat" cmpd="sng" algn="ctr">
+                      <a:solidFill>
+                        <a:schemeClr val="tx1"/>
+                      </a:solidFill>
+                      <a:prstDash val="solid"/>
+                      <a:round/>
+                      <a:headEnd type="none" w="med" len="med"/>
+                      <a:tailEnd type="none" w="med" len="med"/>
+                    </a:lnB>
+                    <a:lnTlToBr w="12700" cmpd="sng">
+                      <a:noFill/>
+                      <a:prstDash val="solid"/>
+                    </a:lnTlToBr>
+                    <a:lnBlToTr w="12700" cmpd="sng">
+                      <a:noFill/>
+                      <a:prstDash val="solid"/>
+                    </a:lnBlToTr>
+                    <a:solidFill>
+                      <a:schemeClr val="bg1"/>
+                    </a:solidFill>
+                  </a:tcPr>
+                </a:tc>
+                <a:tc>
+                  <a:txBody>
+                    <a:bodyPr/>
+                    <a:lstStyle/>
+                    <a:p>
+                      <a:pPr latinLnBrk="1"/>
+                      <a:r>
+                        <a:rPr lang="ko-KR" altLang="en-US" b="0" dirty="0">
+                          <a:solidFill>
+                            <a:schemeClr val="tx1"/>
+                          </a:solidFill>
+                        </a:rPr>
+                        <a:t>게임 밸런스 조절 및 버그 수정</a:t>
+                      </a:r>
+                    </a:p>
+                  </a:txBody>
+                  <a:tcPr>
+                    <a:lnL w="12700" cap="flat" cmpd="sng" algn="ctr">
+                      <a:solidFill>
+                        <a:schemeClr val="tx1"/>
+                      </a:solidFill>
+                      <a:prstDash val="solid"/>
+                      <a:round/>
+                      <a:headEnd type="none" w="med" len="med"/>
+                      <a:tailEnd type="none" w="med" len="med"/>
+                    </a:lnL>
+                    <a:lnR w="12700" cap="flat" cmpd="sng" algn="ctr">
+                      <a:solidFill>
+                        <a:schemeClr val="tx1"/>
+                      </a:solidFill>
+                      <a:prstDash val="solid"/>
+                      <a:round/>
+                      <a:headEnd type="none" w="med" len="med"/>
+                      <a:tailEnd type="none" w="med" len="med"/>
+                    </a:lnR>
+                    <a:lnT w="12700" cap="flat" cmpd="sng" algn="ctr">
+                      <a:solidFill>
+                        <a:schemeClr val="tx1"/>
+                      </a:solidFill>
+                      <a:prstDash val="solid"/>
+                      <a:round/>
+                      <a:headEnd type="none" w="med" len="med"/>
+                      <a:tailEnd type="none" w="med" len="med"/>
+                    </a:lnT>
+                    <a:lnB w="12700" cap="flat" cmpd="sng" algn="ctr">
+                      <a:solidFill>
+                        <a:schemeClr val="tx1"/>
+                      </a:solidFill>
+                      <a:prstDash val="solid"/>
+                      <a:round/>
+                      <a:headEnd type="none" w="med" len="med"/>
+                      <a:tailEnd type="none" w="med" len="med"/>
+                    </a:lnB>
+                    <a:lnTlToBr w="12700" cmpd="sng">
+                      <a:noFill/>
+                      <a:prstDash val="solid"/>
+                    </a:lnTlToBr>
+                    <a:lnBlToTr w="12700" cmpd="sng">
+                      <a:noFill/>
+                      <a:prstDash val="solid"/>
+                    </a:lnBlToTr>
+                    <a:solidFill>
+                      <a:schemeClr val="bg1"/>
+                    </a:solidFill>
+                  </a:tcPr>
+                </a:tc>
+                <a:extLst>
+                  <a:ext uri="{0D108BD9-81ED-4DB2-BD59-A6C34878D82A}">
+                    <a16:rowId xmlns:a16="http://schemas.microsoft.com/office/drawing/2014/main" val="1034750696"/>
+                  </a:ext>
+                </a:extLst>
+              </a:tr>
+            </a:tbl>
+          </a:graphicData>
+        </a:graphic>
+      </p:graphicFrame>
     </p:spTree>
     <p:extLst>
       <p:ext uri="{BB962C8B-B14F-4D97-AF65-F5344CB8AC3E}">
-        <p14:creationId xmlns:p14="http://schemas.microsoft.com/office/powerpoint/2010/main" val="413703324"/>
+        <p14:creationId xmlns:p14="http://schemas.microsoft.com/office/powerpoint/2010/main" val="1222464876"/>
       </p:ext>
     </p:extLst>
   </p:cSld>
   <p:clrMapOvr>
     <a:masterClrMapping/>
   </p:clrMapOvr>
-  <p:timing>
-    <p:tnLst>
-      <p:par>
-        <p:cTn id="1" dur="indefinite" restart="never" nodeType="tmRoot">
-          <p:childTnLst>
-            <p:seq concurrent="1" nextAc="seek">
-              <p:cTn id="2" dur="indefinite" nodeType="mainSeq">
-                <p:childTnLst>
-                  <p:par>
-                    <p:cTn id="3" fill="hold">
-                      <p:stCondLst>
-                        <p:cond delay="indefinite"/>
-                      </p:stCondLst>
-                      <p:childTnLst>
-                        <p:par>
-                          <p:cTn id="4" fill="hold">
-                            <p:stCondLst>
-                              <p:cond delay="0"/>
-                            </p:stCondLst>
-                            <p:childTnLst>
-                              <p:par>
-                                <p:cTn id="5" presetID="6" presetClass="emph" presetSubtype="0" fill="hold" nodeType="clickEffect">
-                                  <p:stCondLst>
-                                    <p:cond delay="0"/>
-                                  </p:stCondLst>
-                                  <p:childTnLst>
-                                    <p:animScale>
-                                      <p:cBhvr>
-                                        <p:cTn id="6" dur="2000" fill="hold"/>
-                                        <p:tgtEl>
-                                          <p:spTgt spid="7172"/>
-                                        </p:tgtEl>
-                                      </p:cBhvr>
-                                      <p:by x="150000" y="150000"/>
-                                    </p:animScale>
-                                  </p:childTnLst>
-                                </p:cTn>
-                              </p:par>
-                            </p:childTnLst>
-                          </p:cTn>
-                        </p:par>
-                      </p:childTnLst>
-                    </p:cTn>
-                  </p:par>
-                </p:childTnLst>
-              </p:cTn>
-              <p:prevCondLst>
-                <p:cond evt="onPrev" delay="0">
-                  <p:tgtEl>
-                    <p:sldTgt/>
-                  </p:tgtEl>
-                </p:cond>
-              </p:prevCondLst>
-              <p:nextCondLst>
-                <p:cond evt="onNext" delay="0">
-                  <p:tgtEl>
-                    <p:sldTgt/>
-                  </p:tgtEl>
-                </p:cond>
-              </p:nextCondLst>
-            </p:seq>
-          </p:childTnLst>
-        </p:cTn>
-      </p:par>
-    </p:tnLst>
-  </p:timing>
 </p:sld>
 </file>
 
